--- a/PLANIFICAÇÃO/MOBRADA ROADMAP.pptx
+++ b/PLANIFICAÇÃO/MOBRADA ROADMAP.pptx
@@ -4176,7 +4176,13 @@
     </dgm:pt>
     <dgm:pt modelId="{84BF0E1D-27AF-4CEA-A1E4-F85ABAF13CC9}">
       <dgm:prSet phldrT="[Texto]"/>
-      <dgm:spPr/>
+      <dgm:spPr>
+        <a:solidFill>
+          <a:schemeClr val="tx1">
+            <a:lumMod val="50000"/>
+          </a:schemeClr>
+        </a:solidFill>
+      </dgm:spPr>
       <dgm:t>
         <a:bodyPr/>
         <a:lstStyle/>
@@ -4229,7 +4235,13 @@
     </dgm:pt>
     <dgm:pt modelId="{47D2ADA4-DE86-4181-8270-61A6A2177AC4}">
       <dgm:prSet phldrT="[Texto]"/>
-      <dgm:spPr/>
+      <dgm:spPr>
+        <a:solidFill>
+          <a:schemeClr val="tx1">
+            <a:lumMod val="50000"/>
+          </a:schemeClr>
+        </a:solidFill>
+      </dgm:spPr>
       <dgm:t>
         <a:bodyPr/>
         <a:lstStyle/>
@@ -10878,31 +10890,11 @@
         <a:prstGeom prst="rect">
           <a:avLst/>
         </a:prstGeom>
-        <a:gradFill rotWithShape="0">
-          <a:gsLst>
-            <a:gs pos="0">
-              <a:schemeClr val="accent1">
-                <a:hueOff val="0"/>
-                <a:satOff val="0"/>
-                <a:lumOff val="0"/>
-                <a:alphaOff val="0"/>
-                <a:tint val="96000"/>
-                <a:lumMod val="104000"/>
-              </a:schemeClr>
-            </a:gs>
-            <a:gs pos="100000">
-              <a:schemeClr val="accent1">
-                <a:hueOff val="0"/>
-                <a:satOff val="0"/>
-                <a:lumOff val="0"/>
-                <a:alphaOff val="0"/>
-                <a:shade val="90000"/>
-                <a:lumMod val="90000"/>
-              </a:schemeClr>
-            </a:gs>
-          </a:gsLst>
-          <a:lin ang="5400000" scaled="0"/>
-        </a:gradFill>
+        <a:solidFill>
+          <a:schemeClr val="tx1">
+            <a:lumMod val="50000"/>
+          </a:schemeClr>
+        </a:solidFill>
         <a:ln>
           <a:noFill/>
         </a:ln>
@@ -11096,31 +11088,11 @@
         <a:prstGeom prst="rect">
           <a:avLst/>
         </a:prstGeom>
-        <a:gradFill rotWithShape="0">
-          <a:gsLst>
-            <a:gs pos="0">
-              <a:schemeClr val="accent1">
-                <a:hueOff val="0"/>
-                <a:satOff val="0"/>
-                <a:lumOff val="0"/>
-                <a:alphaOff val="0"/>
-                <a:tint val="96000"/>
-                <a:lumMod val="104000"/>
-              </a:schemeClr>
-            </a:gs>
-            <a:gs pos="100000">
-              <a:schemeClr val="accent1">
-                <a:hueOff val="0"/>
-                <a:satOff val="0"/>
-                <a:lumOff val="0"/>
-                <a:alphaOff val="0"/>
-                <a:shade val="90000"/>
-                <a:lumMod val="90000"/>
-              </a:schemeClr>
-            </a:gs>
-          </a:gsLst>
-          <a:lin ang="5400000" scaled="0"/>
-        </a:gradFill>
+        <a:solidFill>
+          <a:schemeClr val="tx1">
+            <a:lumMod val="50000"/>
+          </a:schemeClr>
+        </a:solidFill>
         <a:ln>
           <a:noFill/>
         </a:ln>
@@ -25028,7 +25000,7 @@
           <a:p>
             <a:fld id="{B39504D6-E3D7-4F94-937A-B0F032D05BA3}" type="datetimeFigureOut">
               <a:rPr lang="LID4096" smtClean="0"/>
-              <a:t>12/03/2022</a:t>
+              <a:t>03/19/2023</a:t>
             </a:fld>
             <a:endParaRPr lang="LID4096"/>
           </a:p>
@@ -25326,7 +25298,7 @@
           <a:p>
             <a:fld id="{B39504D6-E3D7-4F94-937A-B0F032D05BA3}" type="datetimeFigureOut">
               <a:rPr lang="LID4096" smtClean="0"/>
-              <a:t>12/03/2022</a:t>
+              <a:t>03/19/2023</a:t>
             </a:fld>
             <a:endParaRPr lang="LID4096"/>
           </a:p>
@@ -25518,7 +25490,7 @@
           <a:p>
             <a:fld id="{B39504D6-E3D7-4F94-937A-B0F032D05BA3}" type="datetimeFigureOut">
               <a:rPr lang="LID4096" smtClean="0"/>
-              <a:t>12/03/2022</a:t>
+              <a:t>03/19/2023</a:t>
             </a:fld>
             <a:endParaRPr lang="LID4096"/>
           </a:p>
@@ -25779,7 +25751,7 @@
           <a:p>
             <a:fld id="{B39504D6-E3D7-4F94-937A-B0F032D05BA3}" type="datetimeFigureOut">
               <a:rPr lang="LID4096" smtClean="0"/>
-              <a:t>12/03/2022</a:t>
+              <a:t>03/19/2023</a:t>
             </a:fld>
             <a:endParaRPr lang="LID4096"/>
           </a:p>
@@ -26203,7 +26175,7 @@
           <a:p>
             <a:fld id="{B39504D6-E3D7-4F94-937A-B0F032D05BA3}" type="datetimeFigureOut">
               <a:rPr lang="LID4096" smtClean="0"/>
-              <a:t>12/03/2022</a:t>
+              <a:t>03/19/2023</a:t>
             </a:fld>
             <a:endParaRPr lang="LID4096"/>
           </a:p>
@@ -26740,7 +26712,7 @@
           <a:p>
             <a:fld id="{B39504D6-E3D7-4F94-937A-B0F032D05BA3}" type="datetimeFigureOut">
               <a:rPr lang="LID4096" smtClean="0"/>
-              <a:t>12/03/2022</a:t>
+              <a:t>03/19/2023</a:t>
             </a:fld>
             <a:endParaRPr lang="LID4096"/>
           </a:p>
@@ -27604,7 +27576,7 @@
           <a:p>
             <a:fld id="{B39504D6-E3D7-4F94-937A-B0F032D05BA3}" type="datetimeFigureOut">
               <a:rPr lang="LID4096" smtClean="0"/>
-              <a:t>12/03/2022</a:t>
+              <a:t>03/19/2023</a:t>
             </a:fld>
             <a:endParaRPr lang="LID4096"/>
           </a:p>
@@ -27774,7 +27746,7 @@
           <a:p>
             <a:fld id="{B39504D6-E3D7-4F94-937A-B0F032D05BA3}" type="datetimeFigureOut">
               <a:rPr lang="LID4096" smtClean="0"/>
-              <a:t>12/03/2022</a:t>
+              <a:t>03/19/2023</a:t>
             </a:fld>
             <a:endParaRPr lang="LID4096"/>
           </a:p>
@@ -27958,7 +27930,7 @@
           <a:p>
             <a:fld id="{B39504D6-E3D7-4F94-937A-B0F032D05BA3}" type="datetimeFigureOut">
               <a:rPr lang="LID4096" smtClean="0"/>
-              <a:t>12/03/2022</a:t>
+              <a:t>03/19/2023</a:t>
             </a:fld>
             <a:endParaRPr lang="LID4096"/>
           </a:p>
@@ -28128,7 +28100,7 @@
           <a:p>
             <a:fld id="{B39504D6-E3D7-4F94-937A-B0F032D05BA3}" type="datetimeFigureOut">
               <a:rPr lang="LID4096" smtClean="0"/>
-              <a:t>12/03/2022</a:t>
+              <a:t>03/19/2023</a:t>
             </a:fld>
             <a:endParaRPr lang="LID4096"/>
           </a:p>
@@ -28372,7 +28344,7 @@
           <a:p>
             <a:fld id="{B39504D6-E3D7-4F94-937A-B0F032D05BA3}" type="datetimeFigureOut">
               <a:rPr lang="LID4096" smtClean="0"/>
-              <a:t>12/03/2022</a:t>
+              <a:t>03/19/2023</a:t>
             </a:fld>
             <a:endParaRPr lang="LID4096"/>
           </a:p>
@@ -28608,7 +28580,7 @@
           <a:p>
             <a:fld id="{B39504D6-E3D7-4F94-937A-B0F032D05BA3}" type="datetimeFigureOut">
               <a:rPr lang="LID4096" smtClean="0"/>
-              <a:t>12/03/2022</a:t>
+              <a:t>03/19/2023</a:t>
             </a:fld>
             <a:endParaRPr lang="LID4096"/>
           </a:p>
@@ -29074,7 +29046,7 @@
           <a:p>
             <a:fld id="{B39504D6-E3D7-4F94-937A-B0F032D05BA3}" type="datetimeFigureOut">
               <a:rPr lang="LID4096" smtClean="0"/>
-              <a:t>12/03/2022</a:t>
+              <a:t>03/19/2023</a:t>
             </a:fld>
             <a:endParaRPr lang="LID4096"/>
           </a:p>
@@ -29192,7 +29164,7 @@
           <a:p>
             <a:fld id="{B39504D6-E3D7-4F94-937A-B0F032D05BA3}" type="datetimeFigureOut">
               <a:rPr lang="LID4096" smtClean="0"/>
-              <a:t>12/03/2022</a:t>
+              <a:t>03/19/2023</a:t>
             </a:fld>
             <a:endParaRPr lang="LID4096"/>
           </a:p>
@@ -29287,7 +29259,7 @@
           <a:p>
             <a:fld id="{B39504D6-E3D7-4F94-937A-B0F032D05BA3}" type="datetimeFigureOut">
               <a:rPr lang="LID4096" smtClean="0"/>
-              <a:t>12/03/2022</a:t>
+              <a:t>03/19/2023</a:t>
             </a:fld>
             <a:endParaRPr lang="LID4096"/>
           </a:p>
@@ -29542,7 +29514,7 @@
           <a:p>
             <a:fld id="{B39504D6-E3D7-4F94-937A-B0F032D05BA3}" type="datetimeFigureOut">
               <a:rPr lang="LID4096" smtClean="0"/>
-              <a:t>12/03/2022</a:t>
+              <a:t>03/19/2023</a:t>
             </a:fld>
             <a:endParaRPr lang="LID4096"/>
           </a:p>
@@ -29842,7 +29814,7 @@
           <a:p>
             <a:fld id="{B39504D6-E3D7-4F94-937A-B0F032D05BA3}" type="datetimeFigureOut">
               <a:rPr lang="LID4096" smtClean="0"/>
-              <a:t>12/03/2022</a:t>
+              <a:t>03/19/2023</a:t>
             </a:fld>
             <a:endParaRPr lang="LID4096"/>
           </a:p>
@@ -30076,7 +30048,7 @@
           <a:p>
             <a:fld id="{B39504D6-E3D7-4F94-937A-B0F032D05BA3}" type="datetimeFigureOut">
               <a:rPr lang="LID4096" smtClean="0"/>
-              <a:t>12/03/2022</a:t>
+              <a:t>03/19/2023</a:t>
             </a:fld>
             <a:endParaRPr lang="LID4096"/>
           </a:p>
@@ -30821,7 +30793,7 @@
           <p:nvPr>
             <p:extLst>
               <p:ext uri="{D42A27DB-BD31-4B8C-83A1-F6EECF244321}">
-                <p14:modId xmlns:p14="http://schemas.microsoft.com/office/powerpoint/2010/main" val="3978727658"/>
+                <p14:modId xmlns:p14="http://schemas.microsoft.com/office/powerpoint/2010/main" val="955449015"/>
               </p:ext>
             </p:extLst>
           </p:nvPr>
